--- a/程序/programme/two qubit gate/CZgate/IBM/ppt/频率排布.pptx
+++ b/程序/programme/two qubit gate/CZgate/IBM/ppt/频率排布.pptx
@@ -370,7 +370,7 @@
           <a:p>
             <a:fld id="{530820CF-B880-4189-942D-D702A7CBA730}" type="datetimeFigureOut">
               <a:rPr lang="zh-CN" altLang="en-US" smtClean="0"/>
-              <a:t>2017/12/17</a:t>
+              <a:t>2017/12/23</a:t>
             </a:fld>
             <a:endParaRPr lang="zh-CN" altLang="en-US"/>
           </a:p>
@@ -535,7 +535,7 @@
           <a:p>
             <a:fld id="{530820CF-B880-4189-942D-D702A7CBA730}" type="datetimeFigureOut">
               <a:rPr lang="zh-CN" altLang="en-US" smtClean="0"/>
-              <a:t>2017/12/17</a:t>
+              <a:t>2017/12/23</a:t>
             </a:fld>
             <a:endParaRPr lang="zh-CN" altLang="en-US"/>
           </a:p>
@@ -710,7 +710,7 @@
           <a:p>
             <a:fld id="{530820CF-B880-4189-942D-D702A7CBA730}" type="datetimeFigureOut">
               <a:rPr lang="zh-CN" altLang="en-US" smtClean="0"/>
-              <a:t>2017/12/17</a:t>
+              <a:t>2017/12/23</a:t>
             </a:fld>
             <a:endParaRPr lang="zh-CN" altLang="en-US"/>
           </a:p>
@@ -904,7 +904,7 @@
                 </a:solidFill>
               </a:rPr>
               <a:pPr/>
-              <a:t>2017/12/17</a:t>
+              <a:t>2017/12/23</a:t>
             </a:fld>
             <a:endParaRPr lang="zh-CN" altLang="en-US">
               <a:solidFill>
@@ -1116,7 +1116,7 @@
                 </a:solidFill>
               </a:rPr>
               <a:pPr/>
-              <a:t>2017/12/17</a:t>
+              <a:t>2017/12/23</a:t>
             </a:fld>
             <a:endParaRPr lang="zh-CN" altLang="en-US">
               <a:solidFill>
@@ -1394,7 +1394,7 @@
                 </a:solidFill>
               </a:rPr>
               <a:pPr/>
-              <a:t>2017/12/17</a:t>
+              <a:t>2017/12/23</a:t>
             </a:fld>
             <a:endParaRPr lang="zh-CN" altLang="en-US">
               <a:solidFill>
@@ -1658,7 +1658,7 @@
                 </a:solidFill>
               </a:rPr>
               <a:pPr/>
-              <a:t>2017/12/17</a:t>
+              <a:t>2017/12/23</a:t>
             </a:fld>
             <a:endParaRPr lang="zh-CN" altLang="en-US">
               <a:solidFill>
@@ -2057,7 +2057,7 @@
                 </a:solidFill>
               </a:rPr>
               <a:pPr/>
-              <a:t>2017/12/17</a:t>
+              <a:t>2017/12/23</a:t>
             </a:fld>
             <a:endParaRPr lang="zh-CN" altLang="en-US">
               <a:solidFill>
@@ -2207,7 +2207,7 @@
                 </a:solidFill>
               </a:rPr>
               <a:pPr/>
-              <a:t>2017/12/17</a:t>
+              <a:t>2017/12/23</a:t>
             </a:fld>
             <a:endParaRPr lang="zh-CN" altLang="en-US">
               <a:solidFill>
@@ -2334,7 +2334,7 @@
                 </a:solidFill>
               </a:rPr>
               <a:pPr/>
-              <a:t>2017/12/17</a:t>
+              <a:t>2017/12/23</a:t>
             </a:fld>
             <a:endParaRPr lang="zh-CN" altLang="en-US">
               <a:solidFill>
@@ -2643,7 +2643,7 @@
                 </a:solidFill>
               </a:rPr>
               <a:pPr/>
-              <a:t>2017/12/17</a:t>
+              <a:t>2017/12/23</a:t>
             </a:fld>
             <a:endParaRPr lang="zh-CN" altLang="en-US">
               <a:solidFill>
@@ -2838,7 +2838,7 @@
           <a:p>
             <a:fld id="{530820CF-B880-4189-942D-D702A7CBA730}" type="datetimeFigureOut">
               <a:rPr lang="zh-CN" altLang="en-US" smtClean="0"/>
-              <a:t>2017/12/17</a:t>
+              <a:t>2017/12/23</a:t>
             </a:fld>
             <a:endParaRPr lang="zh-CN" altLang="en-US"/>
           </a:p>
@@ -3093,7 +3093,7 @@
                 </a:solidFill>
               </a:rPr>
               <a:pPr/>
-              <a:t>2017/12/17</a:t>
+              <a:t>2017/12/23</a:t>
             </a:fld>
             <a:endParaRPr lang="zh-CN" altLang="en-US">
               <a:solidFill>
@@ -3295,7 +3295,7 @@
                 </a:solidFill>
               </a:rPr>
               <a:pPr/>
-              <a:t>2017/12/17</a:t>
+              <a:t>2017/12/23</a:t>
             </a:fld>
             <a:endParaRPr lang="zh-CN" altLang="en-US">
               <a:solidFill>
@@ -3507,7 +3507,7 @@
                 </a:solidFill>
               </a:rPr>
               <a:pPr/>
-              <a:t>2017/12/17</a:t>
+              <a:t>2017/12/23</a:t>
             </a:fld>
             <a:endParaRPr lang="zh-CN" altLang="en-US">
               <a:solidFill>
@@ -3778,7 +3778,7 @@
           <a:p>
             <a:fld id="{530820CF-B880-4189-942D-D702A7CBA730}" type="datetimeFigureOut">
               <a:rPr lang="zh-CN" altLang="en-US" smtClean="0"/>
-              <a:t>2017/12/17</a:t>
+              <a:t>2017/12/23</a:t>
             </a:fld>
             <a:endParaRPr lang="zh-CN" altLang="en-US"/>
           </a:p>
@@ -4061,7 +4061,7 @@
           <a:p>
             <a:fld id="{530820CF-B880-4189-942D-D702A7CBA730}" type="datetimeFigureOut">
               <a:rPr lang="zh-CN" altLang="en-US" smtClean="0"/>
-              <a:t>2017/12/17</a:t>
+              <a:t>2017/12/23</a:t>
             </a:fld>
             <a:endParaRPr lang="zh-CN" altLang="en-US"/>
           </a:p>
@@ -4478,7 +4478,7 @@
           <a:p>
             <a:fld id="{530820CF-B880-4189-942D-D702A7CBA730}" type="datetimeFigureOut">
               <a:rPr lang="zh-CN" altLang="en-US" smtClean="0"/>
-              <a:t>2017/12/17</a:t>
+              <a:t>2017/12/23</a:t>
             </a:fld>
             <a:endParaRPr lang="zh-CN" altLang="en-US"/>
           </a:p>
@@ -4591,7 +4591,7 @@
           <a:p>
             <a:fld id="{530820CF-B880-4189-942D-D702A7CBA730}" type="datetimeFigureOut">
               <a:rPr lang="zh-CN" altLang="en-US" smtClean="0"/>
-              <a:t>2017/12/17</a:t>
+              <a:t>2017/12/23</a:t>
             </a:fld>
             <a:endParaRPr lang="zh-CN" altLang="en-US"/>
           </a:p>
@@ -4681,7 +4681,7 @@
           <a:p>
             <a:fld id="{530820CF-B880-4189-942D-D702A7CBA730}" type="datetimeFigureOut">
               <a:rPr lang="zh-CN" altLang="en-US" smtClean="0"/>
-              <a:t>2017/12/17</a:t>
+              <a:t>2017/12/23</a:t>
             </a:fld>
             <a:endParaRPr lang="zh-CN" altLang="en-US"/>
           </a:p>
@@ -4953,7 +4953,7 @@
           <a:p>
             <a:fld id="{530820CF-B880-4189-942D-D702A7CBA730}" type="datetimeFigureOut">
               <a:rPr lang="zh-CN" altLang="en-US" smtClean="0"/>
-              <a:t>2017/12/17</a:t>
+              <a:t>2017/12/23</a:t>
             </a:fld>
             <a:endParaRPr lang="zh-CN" altLang="en-US"/>
           </a:p>
@@ -5201,7 +5201,7 @@
           <a:p>
             <a:fld id="{530820CF-B880-4189-942D-D702A7CBA730}" type="datetimeFigureOut">
               <a:rPr lang="zh-CN" altLang="en-US" smtClean="0"/>
-              <a:t>2017/12/17</a:t>
+              <a:t>2017/12/23</a:t>
             </a:fld>
             <a:endParaRPr lang="zh-CN" altLang="en-US"/>
           </a:p>
@@ -5409,7 +5409,7 @@
           <a:p>
             <a:fld id="{530820CF-B880-4189-942D-D702A7CBA730}" type="datetimeFigureOut">
               <a:rPr lang="zh-CN" altLang="en-US" smtClean="0"/>
-              <a:t>2017/12/17</a:t>
+              <a:t>2017/12/23</a:t>
             </a:fld>
             <a:endParaRPr lang="zh-CN" altLang="en-US"/>
           </a:p>
@@ -5921,7 +5921,7 @@
                 </a:solidFill>
               </a:rPr>
               <a:pPr/>
-              <a:t>2017/12/17</a:t>
+              <a:t>2017/12/23</a:t>
             </a:fld>
             <a:endParaRPr lang="zh-CN" altLang="en-US">
               <a:solidFill>
@@ -7506,15 +7506,7 @@
             </a:r>
             <a:r>
               <a:rPr lang="zh-CN" altLang="en-US" dirty="0" smtClean="0"/>
-              <a:t>的结果可能是寻优的迭代次数不够，没有找到</a:t>
-            </a:r>
-            <a:r>
-              <a:rPr lang="zh-CN" altLang="en-US" dirty="0" smtClean="0"/>
-              <a:t>最优解。因为</a:t>
-            </a:r>
-            <a:r>
-              <a:rPr lang="zh-CN" altLang="en-US" dirty="0" smtClean="0"/>
-              <a:t>主要想得到普遍较好驱动强度，所以这个问题就暂时忽略了。</a:t>
+              <a:t>的结果可能是寻优的迭代次数不够，没有找到最优解。因为主要想得到普遍较好驱动强度，所以这个问题就暂时忽略了。</a:t>
             </a:r>
             <a:endParaRPr lang="en-US" altLang="zh-CN" dirty="0" smtClean="0"/>
           </a:p>
@@ -7573,7 +7565,6 @@
               <a:rPr lang="zh-CN" altLang="en-US" dirty="0"/>
               <a:t>相邻比特频率选取</a:t>
             </a:r>
-            <a:endParaRPr lang="zh-CN" altLang="en-US" dirty="0"/>
           </a:p>
         </p:txBody>
       </p:sp>
@@ -7602,11 +7593,7 @@
             </a:r>
             <a:r>
               <a:rPr lang="zh-CN" altLang="en-US" dirty="0" smtClean="0"/>
-              <a:t>会改变门</a:t>
-            </a:r>
-            <a:r>
-              <a:rPr lang="zh-CN" altLang="en-US" dirty="0" smtClean="0"/>
-              <a:t>的时间</a:t>
+              <a:t>会改变门的时间</a:t>
             </a:r>
             <a:r>
               <a:rPr lang="en-US" altLang="zh-CN" dirty="0" smtClean="0"/>
@@ -7614,11 +7601,7 @@
             </a:r>
             <a:r>
               <a:rPr lang="zh-CN" altLang="en-US" dirty="0" smtClean="0"/>
-              <a:t>，</a:t>
-            </a:r>
-            <a:r>
-              <a:rPr lang="zh-CN" altLang="en-US" dirty="0" smtClean="0"/>
-              <a:t>但是同时也会改变</a:t>
+              <a:t>，但是同时也会改变</a:t>
             </a:r>
             <a:r>
               <a:rPr lang="en-US" altLang="zh-CN" dirty="0" smtClean="0"/>
@@ -7626,15 +7609,7 @@
             </a:r>
             <a:r>
               <a:rPr lang="zh-CN" altLang="en-US" dirty="0" smtClean="0"/>
-              <a:t>效应积累的额外相位，为了平衡这</a:t>
-            </a:r>
-            <a:r>
-              <a:rPr lang="zh-CN" altLang="en-US" dirty="0" smtClean="0"/>
-              <a:t>两种影响</a:t>
-            </a:r>
-            <a:r>
-              <a:rPr lang="zh-CN" altLang="en-US" dirty="0" smtClean="0"/>
-              <a:t>，选用</a:t>
+              <a:t>效应积累的额外相位，为了平衡这两种影响，选用</a:t>
             </a:r>
             <a:r>
               <a:rPr lang="en-US" altLang="zh-CN" dirty="0" smtClean="0"/>
@@ -7777,107 +7752,16 @@
           </a:p>
         </p:txBody>
       </p:sp>
-      <p:graphicFrame>
-        <p:nvGraphicFramePr>
-          <p:cNvPr id="4" name="对象 3">
-            <a:hlinkClick r:id="" action="ppaction://ole?verb=1"/>
-          </p:cNvPr>
-          <p:cNvGraphicFramePr>
-            <a:graphicFrameLocks noChangeAspect="1"/>
-          </p:cNvGraphicFramePr>
-          <p:nvPr>
-            <p:extLst>
-              <p:ext uri="{D42A27DB-BD31-4B8C-83A1-F6EECF244321}">
-                <p14:modId xmlns:p14="http://schemas.microsoft.com/office/powerpoint/2010/main" val="3989788026"/>
-              </p:ext>
-            </p:extLst>
-          </p:nvPr>
-        </p:nvGraphicFramePr>
-        <p:xfrm>
-          <a:off x="3340300" y="4554667"/>
-          <a:ext cx="2053958" cy="881062"/>
-        </p:xfrm>
-        <a:graphic>
-          <a:graphicData uri="http://schemas.openxmlformats.org/presentationml/2006/ole">
-            <mc:AlternateContent xmlns:mc="http://schemas.openxmlformats.org/markup-compatibility/2006">
-              <mc:Choice xmlns:v="urn:schemas-microsoft-com:vml" Requires="v">
-                <p:oleObj spid="_x0000_s3082" r:id="rId3" imgW="1066680" imgH="457200" progId="Equation.3">
-                  <p:embed/>
-                </p:oleObj>
-              </mc:Choice>
-              <mc:Fallback>
-                <p:oleObj r:id="rId3" imgW="1066680" imgH="457200" progId="Equation.3">
-                  <p:embed/>
-                  <p:pic>
-                    <p:nvPicPr>
-                      <p:cNvPr id="0" name=""/>
-                      <p:cNvPicPr>
-                        <a:picLocks noChangeAspect="1" noChangeArrowheads="1"/>
-                      </p:cNvPicPr>
-                      <p:nvPr/>
-                    </p:nvPicPr>
-                    <p:blipFill>
-                      <a:blip r:embed="rId4">
-                        <a:extLst>
-                          <a:ext uri="{28A0092B-C50C-407E-A947-70E740481C1C}">
-                            <a14:useLocalDpi xmlns:a14="http://schemas.microsoft.com/office/drawing/2010/main" val="0"/>
-                          </a:ext>
-                        </a:extLst>
-                      </a:blip>
-                      <a:srcRect/>
-                      <a:stretch>
-                        <a:fillRect/>
-                      </a:stretch>
-                    </p:blipFill>
-                    <p:spPr bwMode="auto">
-                      <a:xfrm>
-                        <a:off x="3340300" y="4554667"/>
-                        <a:ext cx="2053958" cy="881062"/>
-                      </a:xfrm>
-                      <a:prstGeom prst="rect">
-                        <a:avLst/>
-                      </a:prstGeom>
-                      <a:noFill/>
-                      <a:ln>
-                        <a:noFill/>
-                      </a:ln>
-                      <a:extLst>
-                        <a:ext uri="{909E8E84-426E-40DD-AFC4-6F175D3DCCD1}">
-                          <a14:hiddenFill xmlns:a14="http://schemas.microsoft.com/office/drawing/2010/main">
-                            <a:solidFill>
-                              <a:srgbClr val="FFFFFF"/>
-                            </a:solidFill>
-                          </a14:hiddenFill>
-                        </a:ext>
-                        <a:ext uri="{91240B29-F687-4F45-9708-019B960494DF}">
-                          <a14:hiddenLine xmlns:a14="http://schemas.microsoft.com/office/drawing/2010/main" w="9525">
-                            <a:solidFill>
-                              <a:srgbClr val="000000"/>
-                            </a:solidFill>
-                            <a:miter lim="800000"/>
-                            <a:headEnd/>
-                            <a:tailEnd/>
-                          </a14:hiddenLine>
-                        </a:ext>
-                      </a:extLst>
-                    </p:spPr>
-                  </p:pic>
-                </p:oleObj>
-              </mc:Fallback>
-            </mc:AlternateContent>
-          </a:graphicData>
-        </a:graphic>
-      </p:graphicFrame>
       <p:pic>
         <p:nvPicPr>
-          <p:cNvPr id="5128" name="Picture 8"/>
+          <p:cNvPr id="3088" name="Picture 16" descr="C:\Users\Administrator\AppData\Local\YNote\data\zha8692@163.com\44ef9b20bd0e4d6487b3176f813a7c07\clipboard.png"/>
           <p:cNvPicPr>
             <a:picLocks noChangeAspect="1" noChangeArrowheads="1"/>
           </p:cNvPicPr>
           <p:nvPr/>
         </p:nvPicPr>
         <p:blipFill>
-          <a:blip r:embed="rId5">
+          <a:blip r:embed="rId2">
             <a:extLst>
               <a:ext uri="{28A0092B-C50C-407E-A947-70E740481C1C}">
                 <a14:useLocalDpi xmlns:a14="http://schemas.microsoft.com/office/drawing/2010/main" val="0"/>
@@ -7891,171 +7775,20 @@
         </p:blipFill>
         <p:spPr bwMode="auto">
           <a:xfrm>
-            <a:off x="5945876" y="4685311"/>
-            <a:ext cx="2895223" cy="638175"/>
+            <a:off x="3646934" y="4797152"/>
+            <a:ext cx="4629150" cy="1562100"/>
           </a:xfrm>
           <a:prstGeom prst="rect">
             <a:avLst/>
           </a:prstGeom>
           <a:noFill/>
-          <a:ln>
-            <a:noFill/>
-          </a:ln>
-          <a:effectLst/>
           <a:extLst>
             <a:ext uri="{909E8E84-426E-40DD-AFC4-6F175D3DCCD1}">
               <a14:hiddenFill xmlns:a14="http://schemas.microsoft.com/office/drawing/2010/main">
                 <a:solidFill>
-                  <a:schemeClr val="accent1"/>
+                  <a:srgbClr val="FFFFFF"/>
                 </a:solidFill>
               </a14:hiddenFill>
-            </a:ext>
-            <a:ext uri="{91240B29-F687-4F45-9708-019B960494DF}">
-              <a14:hiddenLine xmlns:a14="http://schemas.microsoft.com/office/drawing/2010/main" w="9525">
-                <a:solidFill>
-                  <a:schemeClr val="tx1"/>
-                </a:solidFill>
-                <a:miter lim="800000"/>
-                <a:headEnd/>
-                <a:tailEnd/>
-              </a14:hiddenLine>
-            </a:ext>
-            <a:ext uri="{AF507438-7753-43E0-B8FC-AC1667EBCBE1}">
-              <a14:hiddenEffects xmlns:a14="http://schemas.microsoft.com/office/drawing/2010/main">
-                <a:effectLst>
-                  <a:outerShdw dist="35921" dir="2700000" algn="ctr" rotWithShape="0">
-                    <a:schemeClr val="bg2"/>
-                  </a:outerShdw>
-                </a:effectLst>
-              </a14:hiddenEffects>
-            </a:ext>
-          </a:extLst>
-        </p:spPr>
-      </p:pic>
-      <p:pic>
-        <p:nvPicPr>
-          <p:cNvPr id="5130" name="Picture 10"/>
-          <p:cNvPicPr>
-            <a:picLocks noChangeAspect="1" noChangeArrowheads="1"/>
-          </p:cNvPicPr>
-          <p:nvPr/>
-        </p:nvPicPr>
-        <p:blipFill>
-          <a:blip r:embed="rId6">
-            <a:extLst>
-              <a:ext uri="{28A0092B-C50C-407E-A947-70E740481C1C}">
-                <a14:useLocalDpi xmlns:a14="http://schemas.microsoft.com/office/drawing/2010/main" val="0"/>
-              </a:ext>
-            </a:extLst>
-          </a:blip>
-          <a:srcRect/>
-          <a:stretch>
-            <a:fillRect/>
-          </a:stretch>
-        </p:blipFill>
-        <p:spPr bwMode="auto">
-          <a:xfrm>
-            <a:off x="3406066" y="5589240"/>
-            <a:ext cx="1980942" cy="514350"/>
-          </a:xfrm>
-          <a:prstGeom prst="rect">
-            <a:avLst/>
-          </a:prstGeom>
-          <a:noFill/>
-          <a:ln>
-            <a:noFill/>
-          </a:ln>
-          <a:effectLst/>
-          <a:extLst>
-            <a:ext uri="{909E8E84-426E-40DD-AFC4-6F175D3DCCD1}">
-              <a14:hiddenFill xmlns:a14="http://schemas.microsoft.com/office/drawing/2010/main">
-                <a:solidFill>
-                  <a:schemeClr val="accent1"/>
-                </a:solidFill>
-              </a14:hiddenFill>
-            </a:ext>
-            <a:ext uri="{91240B29-F687-4F45-9708-019B960494DF}">
-              <a14:hiddenLine xmlns:a14="http://schemas.microsoft.com/office/drawing/2010/main" w="9525">
-                <a:solidFill>
-                  <a:schemeClr val="tx1"/>
-                </a:solidFill>
-                <a:miter lim="800000"/>
-                <a:headEnd/>
-                <a:tailEnd/>
-              </a14:hiddenLine>
-            </a:ext>
-            <a:ext uri="{AF507438-7753-43E0-B8FC-AC1667EBCBE1}">
-              <a14:hiddenEffects xmlns:a14="http://schemas.microsoft.com/office/drawing/2010/main">
-                <a:effectLst>
-                  <a:outerShdw dist="35921" dir="2700000" algn="ctr" rotWithShape="0">
-                    <a:schemeClr val="bg2"/>
-                  </a:outerShdw>
-                </a:effectLst>
-              </a14:hiddenEffects>
-            </a:ext>
-          </a:extLst>
-        </p:spPr>
-      </p:pic>
-      <p:pic>
-        <p:nvPicPr>
-          <p:cNvPr id="5131" name="Picture 11"/>
-          <p:cNvPicPr>
-            <a:picLocks noChangeAspect="1" noChangeArrowheads="1"/>
-          </p:cNvPicPr>
-          <p:nvPr/>
-        </p:nvPicPr>
-        <p:blipFill>
-          <a:blip r:embed="rId7">
-            <a:extLst>
-              <a:ext uri="{28A0092B-C50C-407E-A947-70E740481C1C}">
-                <a14:useLocalDpi xmlns:a14="http://schemas.microsoft.com/office/drawing/2010/main" val="0"/>
-              </a:ext>
-            </a:extLst>
-          </a:blip>
-          <a:srcRect/>
-          <a:stretch>
-            <a:fillRect/>
-          </a:stretch>
-        </p:blipFill>
-        <p:spPr bwMode="auto">
-          <a:xfrm>
-            <a:off x="6222065" y="5636865"/>
-            <a:ext cx="2619034" cy="466725"/>
-          </a:xfrm>
-          <a:prstGeom prst="rect">
-            <a:avLst/>
-          </a:prstGeom>
-          <a:noFill/>
-          <a:ln>
-            <a:noFill/>
-          </a:ln>
-          <a:effectLst/>
-          <a:extLst>
-            <a:ext uri="{909E8E84-426E-40DD-AFC4-6F175D3DCCD1}">
-              <a14:hiddenFill xmlns:a14="http://schemas.microsoft.com/office/drawing/2010/main">
-                <a:solidFill>
-                  <a:schemeClr val="accent1"/>
-                </a:solidFill>
-              </a14:hiddenFill>
-            </a:ext>
-            <a:ext uri="{91240B29-F687-4F45-9708-019B960494DF}">
-              <a14:hiddenLine xmlns:a14="http://schemas.microsoft.com/office/drawing/2010/main" w="9525">
-                <a:solidFill>
-                  <a:schemeClr val="tx1"/>
-                </a:solidFill>
-                <a:miter lim="800000"/>
-                <a:headEnd/>
-                <a:tailEnd/>
-              </a14:hiddenLine>
-            </a:ext>
-            <a:ext uri="{AF507438-7753-43E0-B8FC-AC1667EBCBE1}">
-              <a14:hiddenEffects xmlns:a14="http://schemas.microsoft.com/office/drawing/2010/main">
-                <a:effectLst>
-                  <a:outerShdw dist="35921" dir="2700000" algn="ctr" rotWithShape="0">
-                    <a:schemeClr val="bg2"/>
-                  </a:outerShdw>
-                </a:effectLst>
-              </a14:hiddenEffects>
             </a:ext>
           </a:extLst>
         </p:spPr>
@@ -8312,11 +8045,7 @@
           <a:p>
             <a:r>
               <a:rPr lang="zh-CN" altLang="en-US" dirty="0" smtClean="0"/>
-              <a:t>从上面三幅图来比较</a:t>
-            </a:r>
-            <a:r>
-              <a:rPr lang="zh-CN" altLang="en-US" dirty="0" smtClean="0"/>
-              <a:t>，综合考虑门的保真度、时长和门的个数</a:t>
+              <a:t>从上面三幅图来比较，综合考虑门的保真度、时长和门的个数</a:t>
             </a:r>
             <a:r>
               <a:rPr lang="en-US" altLang="zh-CN" dirty="0" smtClean="0"/>
@@ -8348,11 +8077,7 @@
             </a:r>
             <a:r>
               <a:rPr lang="zh-CN" altLang="en-US" dirty="0" smtClean="0"/>
-              <a:t>最大</a:t>
-            </a:r>
-            <a:r>
-              <a:rPr lang="zh-CN" altLang="en-US" dirty="0" smtClean="0"/>
-              <a:t>为</a:t>
+              <a:t>最大为</a:t>
             </a:r>
             <a:r>
               <a:rPr lang="en-US" altLang="zh-CN" dirty="0" smtClean="0"/>
@@ -8360,15 +8085,7 @@
             </a:r>
             <a:r>
               <a:rPr lang="zh-CN" altLang="en-US" dirty="0" smtClean="0"/>
-              <a:t>左右</a:t>
-            </a:r>
-            <a:r>
-              <a:rPr lang="zh-CN" altLang="en-US" dirty="0" smtClean="0"/>
-              <a:t>，</a:t>
-            </a:r>
-            <a:r>
-              <a:rPr lang="zh-CN" altLang="en-US" dirty="0" smtClean="0"/>
-              <a:t>一个</a:t>
+              <a:t>左右，一个</a:t>
             </a:r>
             <a:r>
               <a:rPr lang="en-US" altLang="zh-CN" dirty="0" smtClean="0"/>
@@ -8376,11 +8093,7 @@
             </a:r>
             <a:r>
               <a:rPr lang="zh-CN" altLang="en-US" dirty="0" smtClean="0"/>
-              <a:t>门总时长</a:t>
-            </a:r>
-            <a:r>
-              <a:rPr lang="zh-CN" altLang="en-US" dirty="0" smtClean="0"/>
-              <a:t>为</a:t>
+              <a:t>门总时长为</a:t>
             </a:r>
             <a:r>
               <a:rPr lang="en-US" altLang="zh-CN" dirty="0" smtClean="0"/>
@@ -8786,11 +8499,7 @@
           <a:p>
             <a:r>
               <a:rPr lang="zh-CN" altLang="en-US" dirty="0" smtClean="0"/>
-              <a:t>从上面三幅图来比较</a:t>
-            </a:r>
-            <a:r>
-              <a:rPr lang="zh-CN" altLang="en-US" dirty="0" smtClean="0"/>
-              <a:t>，综合考虑门的保真度、时长和门的个数</a:t>
+              <a:t>从上面三幅图来比较，综合考虑门的保真度、时长和门的个数</a:t>
             </a:r>
             <a:r>
               <a:rPr lang="en-US" altLang="zh-CN" dirty="0" smtClean="0"/>
@@ -8822,11 +8531,7 @@
             </a:r>
             <a:r>
               <a:rPr lang="zh-CN" altLang="en-US" dirty="0" smtClean="0"/>
-              <a:t>最大</a:t>
-            </a:r>
-            <a:r>
-              <a:rPr lang="zh-CN" altLang="en-US" dirty="0" smtClean="0"/>
-              <a:t>为</a:t>
+              <a:t>最大为</a:t>
             </a:r>
             <a:r>
               <a:rPr lang="en-US" altLang="zh-CN" dirty="0" smtClean="0"/>
@@ -8834,15 +8539,7 @@
             </a:r>
             <a:r>
               <a:rPr lang="zh-CN" altLang="en-US" dirty="0" smtClean="0"/>
-              <a:t>左右</a:t>
-            </a:r>
-            <a:r>
-              <a:rPr lang="zh-CN" altLang="en-US" dirty="0" smtClean="0"/>
-              <a:t>，</a:t>
-            </a:r>
-            <a:r>
-              <a:rPr lang="zh-CN" altLang="en-US" dirty="0" smtClean="0"/>
-              <a:t>一个</a:t>
+              <a:t>左右，一个</a:t>
             </a:r>
             <a:r>
               <a:rPr lang="en-US" altLang="zh-CN" dirty="0" smtClean="0"/>
@@ -8850,11 +8547,7 @@
             </a:r>
             <a:r>
               <a:rPr lang="zh-CN" altLang="en-US" dirty="0" smtClean="0"/>
-              <a:t>门总时长</a:t>
-            </a:r>
-            <a:r>
-              <a:rPr lang="zh-CN" altLang="en-US" dirty="0" smtClean="0"/>
-              <a:t>为</a:t>
+              <a:t>门总时长为</a:t>
             </a:r>
             <a:r>
               <a:rPr lang="en-US" altLang="zh-CN" dirty="0" smtClean="0"/>
@@ -9234,15 +8927,7 @@
             </a:r>
             <a:r>
               <a:rPr lang="zh-CN" altLang="en-US" dirty="0" smtClean="0"/>
-              <a:t>，改变驱动</a:t>
-            </a:r>
-            <a:r>
-              <a:rPr lang="zh-CN" altLang="en-US" dirty="0" smtClean="0"/>
-              <a:t>强度也可以很好保持较好保真度，且可以减小门时间，也就是还有继续改良的空间，这里只是提供了一个可以明确得到下限</a:t>
-            </a:r>
-            <a:r>
-              <a:rPr lang="zh-CN" altLang="en-US" dirty="0" smtClean="0"/>
-              <a:t>。</a:t>
+              <a:t>，改变驱动强度也可以很好保持较好保真度，且可以减小门时间，也就是还有继续改良的空间，这里只是提供了一个可以明确得到下限。</a:t>
             </a:r>
             <a:endParaRPr lang="en-US" altLang="zh-CN" dirty="0" smtClean="0"/>
           </a:p>
@@ -9286,6 +8971,30 @@
                 </a:solidFill>
               </a:rPr>
               <a:t>160M</a:t>
+            </a:r>
+            <a:r>
+              <a:rPr lang="zh-CN" altLang="en-US" dirty="0" smtClean="0">
+                <a:solidFill>
+                  <a:srgbClr val="FF0000"/>
+                </a:solidFill>
+              </a:rPr>
+              <a:t>，这样门的个数</a:t>
+            </a:r>
+            <a:r>
+              <a:rPr lang="en-US" altLang="zh-CN" dirty="0" smtClean="0">
+                <a:solidFill>
+                  <a:srgbClr val="FF0000"/>
+                </a:solidFill>
+              </a:rPr>
+              <a:t>N</a:t>
+            </a:r>
+            <a:r>
+              <a:rPr lang="zh-CN" altLang="en-US" dirty="0" smtClean="0">
+                <a:solidFill>
+                  <a:srgbClr val="FF0000"/>
+                </a:solidFill>
+              </a:rPr>
+              <a:t>比较大</a:t>
             </a:r>
             <a:r>
               <a:rPr lang="zh-CN" altLang="en-US" dirty="0" smtClean="0"/>
@@ -9468,15 +9177,7 @@
             </a:r>
             <a:r>
               <a:rPr lang="zh-CN" altLang="en-US" dirty="0" smtClean="0"/>
-              <a:t>型方案，主要是相邻比特间的影响，如果频率太近，相邻比特间</a:t>
-            </a:r>
-            <a:r>
-              <a:rPr lang="zh-CN" altLang="en-US" dirty="0" smtClean="0"/>
-              <a:t>的耦合效应就会很强，</a:t>
-            </a:r>
-            <a:r>
-              <a:rPr lang="zh-CN" altLang="en-US" dirty="0" smtClean="0"/>
-              <a:t>对</a:t>
+              <a:t>型方案，主要是相邻比特间的影响，如果频率太近，相邻比特间的耦合效应就会很强，对</a:t>
             </a:r>
             <a:r>
               <a:rPr lang="en-US" altLang="zh-CN" dirty="0" smtClean="0"/>
@@ -9496,11 +9197,7 @@
             </a:r>
             <a:r>
               <a:rPr lang="zh-CN" altLang="en-US" dirty="0" smtClean="0"/>
-              <a:t>影响；如果太远</a:t>
-            </a:r>
-            <a:r>
-              <a:rPr lang="zh-CN" altLang="en-US" dirty="0" smtClean="0"/>
-              <a:t>，</a:t>
+              <a:t>影响；如果太远，</a:t>
             </a:r>
             <a:r>
               <a:rPr lang="en-US" altLang="zh-CN" dirty="0" smtClean="0"/>
@@ -9508,11 +9205,7 @@
             </a:r>
             <a:r>
               <a:rPr lang="zh-CN" altLang="en-US" dirty="0" smtClean="0"/>
-              <a:t>门保真度会相对</a:t>
-            </a:r>
-            <a:r>
-              <a:rPr lang="zh-CN" altLang="en-US" dirty="0" smtClean="0"/>
-              <a:t>较差，主要是距离相邻比特能级</a:t>
+              <a:t>门保真度会相对较差，主要是距离相邻比特能级</a:t>
             </a:r>
             <a:r>
               <a:rPr lang="en-US" altLang="zh-CN" dirty="0" smtClean="0"/>
@@ -9520,15 +9213,7 @@
             </a:r>
             <a:r>
               <a:rPr lang="zh-CN" altLang="en-US" dirty="0" smtClean="0"/>
-              <a:t>太</a:t>
-            </a:r>
-            <a:r>
-              <a:rPr lang="zh-CN" altLang="en-US" dirty="0" smtClean="0"/>
-              <a:t>近</a:t>
-            </a:r>
-            <a:r>
-              <a:rPr lang="zh-CN" altLang="en-US" dirty="0" smtClean="0"/>
-              <a:t>了</a:t>
+              <a:t>太近了</a:t>
             </a:r>
             <a:endParaRPr lang="en-US" altLang="zh-CN" dirty="0" smtClean="0"/>
           </a:p>
@@ -9591,11 +9276,7 @@
             </a:r>
             <a:r>
               <a:rPr lang="zh-CN" altLang="en-US" dirty="0" smtClean="0"/>
-              <a:t>型的相邻比特间关系</a:t>
-            </a:r>
-            <a:r>
-              <a:rPr lang="zh-CN" altLang="en-US" dirty="0" smtClean="0"/>
-              <a:t>近似</a:t>
+              <a:t>型的相邻比特间关系近似</a:t>
             </a:r>
             <a:endParaRPr lang="en-US" altLang="zh-CN" dirty="0" smtClean="0"/>
           </a:p>
@@ -9686,15 +9367,7 @@
           <a:p>
             <a:r>
               <a:rPr lang="zh-CN" altLang="en-US" dirty="0" smtClean="0"/>
-              <a:t>两种方案主要是分别受到临近和次临近影响，现在</a:t>
-            </a:r>
-            <a:r>
-              <a:rPr lang="zh-CN" altLang="en-US" dirty="0" smtClean="0"/>
-              <a:t>主要</a:t>
-            </a:r>
-            <a:r>
-              <a:rPr lang="zh-CN" altLang="en-US" dirty="0" smtClean="0"/>
-              <a:t>研究做</a:t>
+              <a:t>两种方案主要是分别受到临近和次临近影响，现在主要研究做</a:t>
             </a:r>
             <a:r>
               <a:rPr lang="en-US" altLang="zh-CN" dirty="0" smtClean="0"/>
@@ -9702,11 +9375,7 @@
             </a:r>
             <a:r>
               <a:rPr lang="zh-CN" altLang="en-US" dirty="0" smtClean="0"/>
-              <a:t>门的两个比特的临近</a:t>
-            </a:r>
-            <a:r>
-              <a:rPr lang="zh-CN" altLang="en-US" dirty="0" smtClean="0"/>
-              <a:t>比特和次近邻比特影响</a:t>
+              <a:t>门的两个比特的临近比特和次近邻比特影响</a:t>
             </a:r>
             <a:endParaRPr lang="en-US" altLang="zh-CN" dirty="0" smtClean="0"/>
           </a:p>
@@ -9721,11 +9390,7 @@
             </a:r>
             <a:r>
               <a:rPr lang="zh-CN" altLang="en-US" dirty="0" smtClean="0"/>
-              <a:t>比特，</a:t>
-            </a:r>
-            <a:r>
-              <a:rPr lang="zh-CN" altLang="en-US" dirty="0" smtClean="0"/>
-              <a:t>比特</a:t>
+              <a:t>比特，比特</a:t>
             </a:r>
             <a:r>
               <a:rPr lang="en-US" altLang="zh-CN" dirty="0" smtClean="0"/>
@@ -9855,11 +9520,7 @@
             </a:r>
             <a:r>
               <a:rPr lang="zh-CN" altLang="en-US" dirty="0" smtClean="0"/>
-              <a:t>的频率，观察保真度变化，从而得出在现有耦合强度下</a:t>
-            </a:r>
-            <a:r>
-              <a:rPr lang="zh-CN" altLang="en-US" dirty="0" smtClean="0"/>
-              <a:t>（</a:t>
+              <a:t>的频率，观察保真度变化，从而得出在现有耦合强度下（</a:t>
             </a:r>
             <a:r>
               <a:rPr lang="en-US" altLang="zh-CN" dirty="0" smtClean="0"/>
@@ -9986,15 +9647,7 @@
             </a:r>
             <a:r>
               <a:rPr lang="zh-CN" altLang="en-US" sz="2400" dirty="0" smtClean="0"/>
-              <a:t>时，保真度下降，</a:t>
-            </a:r>
-            <a:r>
-              <a:rPr lang="zh-CN" altLang="en-US" sz="2400" dirty="0" smtClean="0"/>
-              <a:t>随后上升</a:t>
-            </a:r>
-            <a:r>
-              <a:rPr lang="zh-CN" altLang="en-US" sz="2400" dirty="0" smtClean="0"/>
-              <a:t>；当</a:t>
+              <a:t>时，保真度下降，随后上升；当</a:t>
             </a:r>
             <a:r>
               <a:rPr lang="en-US" altLang="zh-CN" sz="2400" dirty="0" smtClean="0"/>
@@ -10018,11 +9671,7 @@
             </a:r>
             <a:r>
               <a:rPr lang="zh-CN" altLang="en-US" sz="2400" dirty="0" smtClean="0"/>
-              <a:t>时，保真度下降，</a:t>
-            </a:r>
-            <a:r>
-              <a:rPr lang="zh-CN" altLang="en-US" sz="2400" dirty="0" smtClean="0"/>
-              <a:t>随后又</a:t>
+              <a:t>时，保真度下降，随后又</a:t>
             </a:r>
             <a:r>
               <a:rPr lang="zh-CN" altLang="en-US" sz="2400" dirty="0"/>
@@ -10062,11 +9711,7 @@
             </a:r>
             <a:r>
               <a:rPr lang="zh-CN" altLang="en-US" sz="2400" dirty="0" smtClean="0"/>
-              <a:t>，保真度下降</a:t>
-            </a:r>
-            <a:r>
-              <a:rPr lang="zh-CN" altLang="en-US" sz="2400" dirty="0" smtClean="0"/>
-              <a:t>。（固定比特</a:t>
+              <a:t>，保真度下降。（固定比特</a:t>
             </a:r>
             <a:r>
               <a:rPr lang="en-US" altLang="zh-CN" sz="2400" dirty="0" smtClean="0"/>
@@ -10289,11 +9934,7 @@
             </a:r>
             <a:r>
               <a:rPr lang="zh-CN" altLang="en-US" sz="2400" dirty="0" smtClean="0"/>
-              <a:t>型排布：</a:t>
-            </a:r>
-            <a:r>
-              <a:rPr lang="zh-CN" altLang="en-US" sz="2400" dirty="0" smtClean="0"/>
-              <a:t>当</a:t>
+              <a:t>型排布：当</a:t>
             </a:r>
             <a:r>
               <a:rPr lang="en-US" altLang="zh-CN" sz="2400" dirty="0" smtClean="0"/>
@@ -10317,11 +9958,7 @@
             </a:r>
             <a:r>
               <a:rPr lang="zh-CN" altLang="en-US" sz="2400" dirty="0" smtClean="0"/>
-              <a:t>，保真度逐渐</a:t>
-            </a:r>
-            <a:r>
-              <a:rPr lang="zh-CN" altLang="en-US" sz="2400" dirty="0" smtClean="0"/>
-              <a:t>增大；当比特</a:t>
+              <a:t>，保真度逐渐增大；当比特</a:t>
             </a:r>
             <a:r>
               <a:rPr lang="en-US" altLang="zh-CN" sz="2400" dirty="0" smtClean="0"/>
@@ -10353,11 +9990,7 @@
             </a:r>
             <a:r>
               <a:rPr lang="zh-CN" altLang="en-US" sz="2400" dirty="0" smtClean="0"/>
-              <a:t>能级时，驱动</a:t>
-            </a:r>
-            <a:r>
-              <a:rPr lang="zh-CN" altLang="en-US" sz="2400" dirty="0" smtClean="0"/>
-              <a:t>比特</a:t>
+              <a:t>能级时，驱动比特</a:t>
             </a:r>
             <a:r>
               <a:rPr lang="en-US" altLang="zh-CN" sz="2400" dirty="0" smtClean="0"/>
@@ -10404,11 +10037,7 @@
             </a:r>
             <a:r>
               <a:rPr lang="zh-CN" altLang="en-US" sz="2400" dirty="0" smtClean="0"/>
-              <a:t>，</a:t>
-            </a:r>
-            <a:r>
-              <a:rPr lang="zh-CN" altLang="en-US" sz="2400" dirty="0" smtClean="0"/>
-              <a:t>比特</a:t>
+              <a:t>，比特</a:t>
             </a:r>
             <a:r>
               <a:rPr lang="en-US" altLang="zh-CN" sz="2400" dirty="0" smtClean="0"/>
@@ -10564,11 +10193,7 @@
             </a:r>
             <a:r>
               <a:rPr lang="zh-CN" altLang="en-US" sz="2400" dirty="0" smtClean="0"/>
-              <a:t>频率，小于</a:t>
-            </a:r>
-            <a:r>
-              <a:rPr lang="zh-CN" altLang="en-US" sz="2400" dirty="0" smtClean="0"/>
-              <a:t>比特</a:t>
+              <a:t>频率，小于比特</a:t>
             </a:r>
             <a:r>
               <a:rPr lang="en-US" altLang="zh-CN" sz="2400" dirty="0" smtClean="0"/>
@@ -10584,11 +10209,7 @@
             </a:r>
             <a:r>
               <a:rPr lang="zh-CN" altLang="en-US" sz="2400" dirty="0" smtClean="0"/>
-              <a:t>型排布：</a:t>
-            </a:r>
-            <a:r>
-              <a:rPr lang="zh-CN" altLang="en-US" sz="2400" dirty="0" smtClean="0"/>
-              <a:t>当</a:t>
+              <a:t>型排布：当</a:t>
             </a:r>
             <a:r>
               <a:rPr lang="en-US" altLang="zh-CN" sz="2400" dirty="0" smtClean="0"/>
@@ -10612,11 +10233,7 @@
             </a:r>
             <a:r>
               <a:rPr lang="zh-CN" altLang="en-US" sz="2400" dirty="0" smtClean="0"/>
-              <a:t>，保真度逐渐</a:t>
-            </a:r>
-            <a:r>
-              <a:rPr lang="zh-CN" altLang="en-US" sz="2400" dirty="0" smtClean="0"/>
-              <a:t>增大；（保持比特</a:t>
+              <a:t>，保真度逐渐增大；（保持比特</a:t>
             </a:r>
             <a:r>
               <a:rPr lang="en-US" altLang="zh-CN" sz="2400" dirty="0" smtClean="0"/>
@@ -10655,11 +10272,7 @@
             </a:r>
             <a:r>
               <a:rPr lang="zh-CN" altLang="en-US" sz="2400" dirty="0" smtClean="0"/>
-              <a:t>，</a:t>
-            </a:r>
-            <a:r>
-              <a:rPr lang="zh-CN" altLang="en-US" sz="2400" dirty="0" smtClean="0"/>
-              <a:t>比特</a:t>
+              <a:t>，比特</a:t>
             </a:r>
             <a:r>
               <a:rPr lang="en-US" altLang="zh-CN" sz="2400" dirty="0" smtClean="0"/>
@@ -10884,7 +10497,7 @@
             </a:r>
             <a:r>
               <a:rPr lang="zh-CN" altLang="en-US" dirty="0" smtClean="0"/>
-              <a:t>）</a:t>
+              <a:t>，并不是太好）</a:t>
             </a:r>
             <a:endParaRPr lang="zh-CN" altLang="en-US" dirty="0"/>
           </a:p>
@@ -11929,6 +11542,13 @@
   <p:clrMapOvr>
     <a:masterClrMapping/>
   </p:clrMapOvr>
+  <p:timing>
+    <p:tnLst>
+      <p:par>
+        <p:cTn id="1" dur="indefinite" restart="never" nodeType="tmRoot"/>
+      </p:par>
+    </p:tnLst>
+  </p:timing>
 </p:sld>
 </file>
 
@@ -12431,6 +12051,13 @@
   <p:clrMapOvr>
     <a:masterClrMapping/>
   </p:clrMapOvr>
+  <p:timing>
+    <p:tnLst>
+      <p:par>
+        <p:cTn id="1" dur="indefinite" restart="never" nodeType="tmRoot"/>
+      </p:par>
+    </p:tnLst>
+  </p:timing>
 </p:sld>
 </file>
 
@@ -12531,11 +12158,7 @@
             </a:r>
             <a:r>
               <a:rPr lang="zh-CN" altLang="en-US" dirty="0" smtClean="0"/>
-              <a:t>，可以将周围比特导致的频率偏移消掉</a:t>
-            </a:r>
-            <a:r>
-              <a:rPr lang="zh-CN" altLang="en-US" dirty="0" smtClean="0"/>
-              <a:t>。</a:t>
+              <a:t>，可以将周围比特导致的频率偏移消掉。</a:t>
             </a:r>
             <a:endParaRPr lang="en-US" altLang="zh-CN" dirty="0" smtClean="0"/>
           </a:p>
@@ -13208,11 +12831,7 @@
             </a:r>
             <a:r>
               <a:rPr lang="zh-CN" altLang="en-US" dirty="0" smtClean="0"/>
-              <a:t>下，普遍较好的驱动</a:t>
-            </a:r>
-            <a:r>
-              <a:rPr lang="zh-CN" altLang="en-US" dirty="0" smtClean="0"/>
-              <a:t>强度（保真度为</a:t>
+              <a:t>下，普遍较好的驱动强度（保真度为</a:t>
             </a:r>
             <a:r>
               <a:rPr lang="en-US" altLang="zh-CN" dirty="0" err="1" smtClean="0"/>
@@ -13818,7 +13437,7 @@
   <a:extraClrSchemeLst/>
   <a:extLst>
     <a:ext uri="{05A4C25C-085E-4340-85A3-A5531E510DB2}">
-      <thm15:themeFamily xmlns:thm15="http://schemas.microsoft.com/office/thememl/2012/main" xmlns="" name="Office Theme" id="{62F939B6-93AF-4DB8-9C6B-D6C7DFDC589F}" vid="{4A3C46E8-61CC-4603-A589-7422A47A8E4A}"/>
+      <thm15:themeFamily xmlns="" xmlns:thm15="http://schemas.microsoft.com/office/thememl/2012/main" name="Office Theme" id="{62F939B6-93AF-4DB8-9C6B-D6C7DFDC589F}" vid="{4A3C46E8-61CC-4603-A589-7422A47A8E4A}"/>
     </a:ext>
   </a:extLst>
 </a:theme>
